--- a/output_data/SMU_project1.pptx
+++ b/output_data/SMU_project1.pptx
@@ -5,22 +5,23 @@
     <p:sldMasterId id="2147483648" r:id="rId1"/>
   </p:sldMasterIdLst>
   <p:notesMasterIdLst>
-    <p:notesMasterId r:id="rId15"/>
+    <p:notesMasterId r:id="rId16"/>
   </p:notesMasterIdLst>
   <p:sldIdLst>
     <p:sldId id="256" r:id="rId2"/>
     <p:sldId id="261" r:id="rId3"/>
     <p:sldId id="257" r:id="rId4"/>
     <p:sldId id="258" r:id="rId5"/>
-    <p:sldId id="265" r:id="rId6"/>
-    <p:sldId id="262" r:id="rId7"/>
-    <p:sldId id="263" r:id="rId8"/>
-    <p:sldId id="266" r:id="rId9"/>
-    <p:sldId id="268" r:id="rId10"/>
-    <p:sldId id="267" r:id="rId11"/>
-    <p:sldId id="269" r:id="rId12"/>
-    <p:sldId id="259" r:id="rId13"/>
-    <p:sldId id="260" r:id="rId14"/>
+    <p:sldId id="273" r:id="rId6"/>
+    <p:sldId id="265" r:id="rId7"/>
+    <p:sldId id="262" r:id="rId8"/>
+    <p:sldId id="263" r:id="rId9"/>
+    <p:sldId id="266" r:id="rId10"/>
+    <p:sldId id="268" r:id="rId11"/>
+    <p:sldId id="267" r:id="rId12"/>
+    <p:sldId id="269" r:id="rId13"/>
+    <p:sldId id="259" r:id="rId14"/>
+    <p:sldId id="260" r:id="rId15"/>
   </p:sldIdLst>
   <p:sldSz cx="12192000" cy="6858000"/>
   <p:notesSz cx="6858000" cy="9144000"/>
@@ -3898,57 +3899,12 @@
           </a:p>
         </p:txBody>
       </p:sp>
-      <p:sp>
-        <p:nvSpPr>
-          <p:cNvPr id="3" name="AutoShape 4">
-            <a:extLst>
-              <a:ext uri="{FF2B5EF4-FFF2-40B4-BE49-F238E27FC236}">
-                <a16:creationId xmlns:a16="http://schemas.microsoft.com/office/drawing/2014/main" id="{8B6CA120-2704-458C-9D30-D3962E6EDCE9}"/>
-              </a:ext>
-            </a:extLst>
-          </p:cNvPr>
-          <p:cNvSpPr>
-            <a:spLocks noChangeAspect="1" noChangeArrowheads="1"/>
-          </p:cNvSpPr>
-          <p:nvPr/>
-        </p:nvSpPr>
-        <p:spPr bwMode="auto">
-          <a:xfrm>
-            <a:off x="6096000" y="3429000"/>
-            <a:ext cx="304800" cy="304800"/>
-          </a:xfrm>
-          <a:prstGeom prst="rect">
-            <a:avLst/>
-          </a:prstGeom>
-          <a:noFill/>
-          <a:extLst>
-            <a:ext uri="{909E8E84-426E-40DD-AFC4-6F175D3DCCD1}">
-              <a14:hiddenFill xmlns:a14="http://schemas.microsoft.com/office/drawing/2010/main">
-                <a:solidFill>
-                  <a:srgbClr val="FFFFFF"/>
-                </a:solidFill>
-              </a14:hiddenFill>
-            </a:ext>
-          </a:extLst>
-        </p:spPr>
-        <p:txBody>
-          <a:bodyPr vert="horz" wrap="square" lIns="91440" tIns="45720" rIns="91440" bIns="45720" numCol="1" anchor="t" anchorCtr="0" compatLnSpc="1">
-            <a:prstTxWarp prst="textNoShape">
-              <a:avLst/>
-            </a:prstTxWarp>
-          </a:bodyPr>
-          <a:lstStyle/>
-          <a:p>
-            <a:endParaRPr lang="en-US"/>
-          </a:p>
-        </p:txBody>
-      </p:sp>
       <p:pic>
         <p:nvPicPr>
-          <p:cNvPr id="8" name="Picture 7">
-            <a:extLst>
-              <a:ext uri="{FF2B5EF4-FFF2-40B4-BE49-F238E27FC236}">
-                <a16:creationId xmlns:a16="http://schemas.microsoft.com/office/drawing/2014/main" id="{B08BD18B-15E1-4E66-8A29-E5A05B0EADB1}"/>
+          <p:cNvPr id="2" name="Picture 1">
+            <a:extLst>
+              <a:ext uri="{FF2B5EF4-FFF2-40B4-BE49-F238E27FC236}">
+                <a16:creationId xmlns:a16="http://schemas.microsoft.com/office/drawing/2014/main" id="{90596E30-6F1C-446E-8D9D-647A60D5D56D}"/>
               </a:ext>
             </a:extLst>
           </p:cNvPr>
@@ -3965,85 +3921,8 @@
         </p:blipFill>
         <p:spPr>
           <a:xfrm>
-            <a:off x="0" y="444726"/>
-            <a:ext cx="7669161" cy="4373236"/>
-          </a:xfrm>
-          <a:prstGeom prst="rect">
-            <a:avLst/>
-          </a:prstGeom>
-        </p:spPr>
-      </p:pic>
-      <p:sp>
-        <p:nvSpPr>
-          <p:cNvPr id="9" name="TextBox 8">
-            <a:extLst>
-              <a:ext uri="{FF2B5EF4-FFF2-40B4-BE49-F238E27FC236}">
-                <a16:creationId xmlns:a16="http://schemas.microsoft.com/office/drawing/2014/main" id="{051A34EC-C27D-4EBC-BD5E-2D5EE263FA54}"/>
-              </a:ext>
-            </a:extLst>
-          </p:cNvPr>
-          <p:cNvSpPr txBox="1"/>
-          <p:nvPr/>
-        </p:nvSpPr>
-        <p:spPr>
-          <a:xfrm>
-            <a:off x="6228735" y="692352"/>
-            <a:ext cx="5304504" cy="1938992"/>
-          </a:xfrm>
-          <a:prstGeom prst="rect">
-            <a:avLst/>
-          </a:prstGeom>
-          <a:noFill/>
-        </p:spPr>
-        <p:txBody>
-          <a:bodyPr wrap="square" rtlCol="0">
-            <a:spAutoFit/>
-          </a:bodyPr>
-          <a:lstStyle/>
-          <a:p>
-            <a:r>
-              <a:rPr lang="en-US" sz="2000" b="1" dirty="0"/>
-              <a:t>P value is 0.</a:t>
-            </a:r>
-          </a:p>
-          <a:p>
-            <a:r>
-              <a:rPr lang="en-US" sz="2000" b="1" dirty="0"/>
-              <a:t>Therefore, we would normally reject the null hypothesis. </a:t>
-            </a:r>
-          </a:p>
-          <a:p>
-            <a:r>
-              <a:rPr lang="en-US" sz="2000" b="1" dirty="0"/>
-              <a:t>However, knowing that the R-squared is 0.001 this dataset is useless because no linear relationship exists. This is illustrated below:</a:t>
-            </a:r>
-          </a:p>
-        </p:txBody>
-      </p:sp>
-      <p:pic>
-        <p:nvPicPr>
-          <p:cNvPr id="10" name="Picture 9">
-            <a:extLst>
-              <a:ext uri="{FF2B5EF4-FFF2-40B4-BE49-F238E27FC236}">
-                <a16:creationId xmlns:a16="http://schemas.microsoft.com/office/drawing/2014/main" id="{A1E87E73-E450-4975-88C5-2826892C1E3B}"/>
-              </a:ext>
-            </a:extLst>
-          </p:cNvPr>
-          <p:cNvPicPr>
-            <a:picLocks noChangeAspect="1"/>
-          </p:cNvPicPr>
-          <p:nvPr/>
-        </p:nvPicPr>
-        <p:blipFill>
-          <a:blip r:embed="rId4"/>
-          <a:stretch>
-            <a:fillRect/>
-          </a:stretch>
-        </p:blipFill>
-        <p:spPr>
-          <a:xfrm>
-            <a:off x="6716546" y="2505973"/>
-            <a:ext cx="5078653" cy="4352027"/>
+            <a:off x="617886" y="0"/>
+            <a:ext cx="10956229" cy="5478115"/>
           </a:xfrm>
           <a:prstGeom prst="rect">
             <a:avLst/>
@@ -4053,7 +3932,7 @@
     </p:spTree>
     <p:extLst>
       <p:ext uri="{BB962C8B-B14F-4D97-AF65-F5344CB8AC3E}">
-        <p14:creationId xmlns:p14="http://schemas.microsoft.com/office/powerpoint/2010/main" val="3254947241"/>
+        <p14:creationId xmlns:p14="http://schemas.microsoft.com/office/powerpoint/2010/main" val="1504295099"/>
       </p:ext>
     </p:extLst>
   </p:cSld>
@@ -4186,32 +4065,28 @@
       </p:sp>
       <p:pic>
         <p:nvPicPr>
-          <p:cNvPr id="7" name="Picture 6" descr="A picture containing sky&#10;&#10;Description automatically generated">
-            <a:extLst>
-              <a:ext uri="{FF2B5EF4-FFF2-40B4-BE49-F238E27FC236}">
-                <a16:creationId xmlns:a16="http://schemas.microsoft.com/office/drawing/2014/main" id="{BB07C3A4-4024-418E-92EC-4AFAFA09F8E5}"/>
-              </a:ext>
-            </a:extLst>
-          </p:cNvPr>
-          <p:cNvPicPr/>
+          <p:cNvPr id="8" name="Picture 7">
+            <a:extLst>
+              <a:ext uri="{FF2B5EF4-FFF2-40B4-BE49-F238E27FC236}">
+                <a16:creationId xmlns:a16="http://schemas.microsoft.com/office/drawing/2014/main" id="{B08BD18B-15E1-4E66-8A29-E5A05B0EADB1}"/>
+              </a:ext>
+            </a:extLst>
+          </p:cNvPr>
+          <p:cNvPicPr>
+            <a:picLocks noChangeAspect="1"/>
+          </p:cNvPicPr>
           <p:nvPr/>
         </p:nvPicPr>
         <p:blipFill>
-          <a:blip r:embed="rId3">
-            <a:extLst>
-              <a:ext uri="{28A0092B-C50C-407E-A947-70E740481C1C}">
-                <a14:useLocalDpi xmlns:a14="http://schemas.microsoft.com/office/drawing/2010/main" val="0"/>
-              </a:ext>
-            </a:extLst>
-          </a:blip>
+          <a:blip r:embed="rId3"/>
           <a:stretch>
             <a:fillRect/>
           </a:stretch>
         </p:blipFill>
         <p:spPr>
           <a:xfrm>
-            <a:off x="6400800" y="-625151"/>
-            <a:ext cx="5791200" cy="8136294"/>
+            <a:off x="0" y="444726"/>
+            <a:ext cx="7669161" cy="4373236"/>
           </a:xfrm>
           <a:prstGeom prst="rect">
             <a:avLst/>
@@ -4220,10 +4095,10 @@
       </p:pic>
       <p:sp>
         <p:nvSpPr>
-          <p:cNvPr id="8" name="TextBox 7">
-            <a:extLst>
-              <a:ext uri="{FF2B5EF4-FFF2-40B4-BE49-F238E27FC236}">
-                <a16:creationId xmlns:a16="http://schemas.microsoft.com/office/drawing/2014/main" id="{E5319AAE-DA66-460E-9724-A25D3756A5D5}"/>
+          <p:cNvPr id="9" name="TextBox 8">
+            <a:extLst>
+              <a:ext uri="{FF2B5EF4-FFF2-40B4-BE49-F238E27FC236}">
+                <a16:creationId xmlns:a16="http://schemas.microsoft.com/office/drawing/2014/main" id="{051A34EC-C27D-4EBC-BD5E-2D5EE263FA54}"/>
               </a:ext>
             </a:extLst>
           </p:cNvPr>
@@ -4232,8 +4107,8 @@
         </p:nvSpPr>
         <p:spPr>
           <a:xfrm>
-            <a:off x="275253" y="649736"/>
-            <a:ext cx="5365102" cy="1200329"/>
+            <a:off x="6228735" y="692352"/>
+            <a:ext cx="5304504" cy="1938992"/>
           </a:xfrm>
           <a:prstGeom prst="rect">
             <a:avLst/>
@@ -4247,26 +4122,30 @@
           <a:lstStyle/>
           <a:p>
             <a:r>
-              <a:rPr lang="en-US" sz="2400" b="1" dirty="0"/>
-              <a:t>The relationship was recognizable when graphed: </a:t>
-            </a:r>
-            <a:r>
-              <a:rPr lang="en-US" sz="2400" b="1" dirty="0" err="1"/>
-              <a:t>Restuarant</a:t>
-            </a:r>
-            <a:r>
-              <a:rPr lang="en-US" sz="2400" b="1" dirty="0"/>
-              <a:t> Price Range vs the Review Count.</a:t>
+              <a:rPr lang="en-US" sz="2000" b="1" dirty="0"/>
+              <a:t>P value is 0.</a:t>
+            </a:r>
+          </a:p>
+          <a:p>
+            <a:r>
+              <a:rPr lang="en-US" sz="2000" b="1" dirty="0"/>
+              <a:t>Therefore, we would normally reject the null hypothesis. </a:t>
+            </a:r>
+          </a:p>
+          <a:p>
+            <a:r>
+              <a:rPr lang="en-US" sz="2000" b="1" dirty="0"/>
+              <a:t>However, knowing that the R-squared is 0.001 this dataset is useless because no linear relationship exists. This is illustrated below:</a:t>
             </a:r>
           </a:p>
         </p:txBody>
       </p:sp>
       <p:pic>
         <p:nvPicPr>
-          <p:cNvPr id="9" name="Picture 8">
-            <a:extLst>
-              <a:ext uri="{FF2B5EF4-FFF2-40B4-BE49-F238E27FC236}">
-                <a16:creationId xmlns:a16="http://schemas.microsoft.com/office/drawing/2014/main" id="{5D95BCAA-47B8-45F6-AC1B-73FC200C566E}"/>
+          <p:cNvPr id="10" name="Picture 9">
+            <a:extLst>
+              <a:ext uri="{FF2B5EF4-FFF2-40B4-BE49-F238E27FC236}">
+                <a16:creationId xmlns:a16="http://schemas.microsoft.com/office/drawing/2014/main" id="{A1E87E73-E450-4975-88C5-2826892C1E3B}"/>
               </a:ext>
             </a:extLst>
           </p:cNvPr>
@@ -4283,57 +4162,18 @@
         </p:blipFill>
         <p:spPr>
           <a:xfrm>
-            <a:off x="-123554" y="1850065"/>
-            <a:ext cx="6035436" cy="1779543"/>
+            <a:off x="6716546" y="2505973"/>
+            <a:ext cx="5078653" cy="4352027"/>
           </a:xfrm>
           <a:prstGeom prst="rect">
             <a:avLst/>
           </a:prstGeom>
-        </p:spPr>
-      </p:pic>
-      <p:pic>
-        <p:nvPicPr>
-          <p:cNvPr id="10" name="Picture 9" descr=" P(x)=1/(sigmasqrt(2pi))e^(-(x-mu)^2/(2sigma^2)) ">
-            <a:extLst>
-              <a:ext uri="{FF2B5EF4-FFF2-40B4-BE49-F238E27FC236}">
-                <a16:creationId xmlns:a16="http://schemas.microsoft.com/office/drawing/2014/main" id="{98AE7571-EC33-4D80-9C73-A329CCBC0EEA}"/>
-              </a:ext>
-            </a:extLst>
-          </p:cNvPr>
-          <p:cNvPicPr/>
-          <p:nvPr/>
-        </p:nvPicPr>
-        <p:blipFill>
-          <a:blip r:embed="rId5">
-            <a:extLst>
-              <a:ext uri="{28A0092B-C50C-407E-A947-70E740481C1C}">
-                <a14:useLocalDpi xmlns:a14="http://schemas.microsoft.com/office/drawing/2010/main" val="0"/>
-              </a:ext>
-            </a:extLst>
-          </a:blip>
-          <a:srcRect/>
-          <a:stretch>
-            <a:fillRect/>
-          </a:stretch>
-        </p:blipFill>
-        <p:spPr bwMode="auto">
-          <a:xfrm>
-            <a:off x="494056" y="4245429"/>
-            <a:ext cx="2099854" cy="579843"/>
-          </a:xfrm>
-          <a:prstGeom prst="rect">
-            <a:avLst/>
-          </a:prstGeom>
-          <a:noFill/>
-          <a:ln>
-            <a:noFill/>
-          </a:ln>
         </p:spPr>
       </p:pic>
     </p:spTree>
     <p:extLst>
       <p:ext uri="{BB962C8B-B14F-4D97-AF65-F5344CB8AC3E}">
-        <p14:creationId xmlns:p14="http://schemas.microsoft.com/office/powerpoint/2010/main" val="2337975396"/>
+        <p14:creationId xmlns:p14="http://schemas.microsoft.com/office/powerpoint/2010/main" val="3254947241"/>
       </p:ext>
     </p:extLst>
   </p:cSld>
@@ -4421,199 +4261,199 @@
       </p:sp>
       <p:sp>
         <p:nvSpPr>
-          <p:cNvPr id="2" name="Rectangle 1">
-            <a:extLst>
-              <a:ext uri="{FF2B5EF4-FFF2-40B4-BE49-F238E27FC236}">
-                <a16:creationId xmlns:a16="http://schemas.microsoft.com/office/drawing/2014/main" id="{C42C7C13-D42F-49F1-823D-0DE634C8D443}"/>
-              </a:ext>
-            </a:extLst>
-          </p:cNvPr>
-          <p:cNvSpPr/>
+          <p:cNvPr id="3" name="AutoShape 4">
+            <a:extLst>
+              <a:ext uri="{FF2B5EF4-FFF2-40B4-BE49-F238E27FC236}">
+                <a16:creationId xmlns:a16="http://schemas.microsoft.com/office/drawing/2014/main" id="{8B6CA120-2704-458C-9D30-D3962E6EDCE9}"/>
+              </a:ext>
+            </a:extLst>
+          </p:cNvPr>
+          <p:cNvSpPr>
+            <a:spLocks noChangeAspect="1" noChangeArrowheads="1"/>
+          </p:cNvSpPr>
           <p:nvPr/>
         </p:nvSpPr>
-        <p:spPr>
-          <a:xfrm>
-            <a:off x="214605" y="251928"/>
-            <a:ext cx="10644673" cy="3994427"/>
+        <p:spPr bwMode="auto">
+          <a:xfrm>
+            <a:off x="6096000" y="3429000"/>
+            <a:ext cx="304800" cy="304800"/>
           </a:xfrm>
           <a:prstGeom prst="rect">
             <a:avLst/>
           </a:prstGeom>
-        </p:spPr>
-        <p:txBody>
-          <a:bodyPr wrap="square">
+          <a:noFill/>
+          <a:extLst>
+            <a:ext uri="{909E8E84-426E-40DD-AFC4-6F175D3DCCD1}">
+              <a14:hiddenFill xmlns:a14="http://schemas.microsoft.com/office/drawing/2010/main">
+                <a:solidFill>
+                  <a:srgbClr val="FFFFFF"/>
+                </a:solidFill>
+              </a14:hiddenFill>
+            </a:ext>
+          </a:extLst>
+        </p:spPr>
+        <p:txBody>
+          <a:bodyPr vert="horz" wrap="square" lIns="91440" tIns="45720" rIns="91440" bIns="45720" numCol="1" anchor="t" anchorCtr="0" compatLnSpc="1">
+            <a:prstTxWarp prst="textNoShape">
+              <a:avLst/>
+            </a:prstTxWarp>
+          </a:bodyPr>
+          <a:lstStyle/>
+          <a:p>
+            <a:endParaRPr lang="en-US"/>
+          </a:p>
+        </p:txBody>
+      </p:sp>
+      <p:pic>
+        <p:nvPicPr>
+          <p:cNvPr id="7" name="Picture 6" descr="A picture containing sky&#10;&#10;Description automatically generated">
+            <a:extLst>
+              <a:ext uri="{FF2B5EF4-FFF2-40B4-BE49-F238E27FC236}">
+                <a16:creationId xmlns:a16="http://schemas.microsoft.com/office/drawing/2014/main" id="{BB07C3A4-4024-418E-92EC-4AFAFA09F8E5}"/>
+              </a:ext>
+            </a:extLst>
+          </p:cNvPr>
+          <p:cNvPicPr/>
+          <p:nvPr/>
+        </p:nvPicPr>
+        <p:blipFill>
+          <a:blip r:embed="rId3">
+            <a:extLst>
+              <a:ext uri="{28A0092B-C50C-407E-A947-70E740481C1C}">
+                <a14:useLocalDpi xmlns:a14="http://schemas.microsoft.com/office/drawing/2010/main" val="0"/>
+              </a:ext>
+            </a:extLst>
+          </a:blip>
+          <a:stretch>
+            <a:fillRect/>
+          </a:stretch>
+        </p:blipFill>
+        <p:spPr>
+          <a:xfrm>
+            <a:off x="6400800" y="-625151"/>
+            <a:ext cx="5791200" cy="8136294"/>
+          </a:xfrm>
+          <a:prstGeom prst="rect">
+            <a:avLst/>
+          </a:prstGeom>
+        </p:spPr>
+      </p:pic>
+      <p:sp>
+        <p:nvSpPr>
+          <p:cNvPr id="8" name="TextBox 7">
+            <a:extLst>
+              <a:ext uri="{FF2B5EF4-FFF2-40B4-BE49-F238E27FC236}">
+                <a16:creationId xmlns:a16="http://schemas.microsoft.com/office/drawing/2014/main" id="{E5319AAE-DA66-460E-9724-A25D3756A5D5}"/>
+              </a:ext>
+            </a:extLst>
+          </p:cNvPr>
+          <p:cNvSpPr txBox="1"/>
+          <p:nvPr/>
+        </p:nvSpPr>
+        <p:spPr>
+          <a:xfrm>
+            <a:off x="275253" y="649736"/>
+            <a:ext cx="5365102" cy="1200329"/>
+          </a:xfrm>
+          <a:prstGeom prst="rect">
+            <a:avLst/>
+          </a:prstGeom>
+          <a:noFill/>
+        </p:spPr>
+        <p:txBody>
+          <a:bodyPr wrap="square" rtlCol="0">
             <a:spAutoFit/>
           </a:bodyPr>
           <a:lstStyle/>
           <a:p>
-            <a:pPr>
-              <a:lnSpc>
-                <a:spcPct val="107000"/>
-              </a:lnSpc>
-              <a:spcAft>
-                <a:spcPts val="800"/>
-              </a:spcAft>
-            </a:pPr>
-            <a:r>
-              <a:rPr lang="en-US" sz="3600" b="1" dirty="0">
-                <a:latin typeface="Calibri" panose="020F0502020204030204" pitchFamily="34" charset="0"/>
-                <a:ea typeface="Calibri" panose="020F0502020204030204" pitchFamily="34" charset="0"/>
-                <a:cs typeface="Calibri" panose="020F0502020204030204" pitchFamily="34" charset="0"/>
-              </a:rPr>
-              <a:t>Data limitations: </a:t>
-            </a:r>
-            <a:endParaRPr lang="en-US" sz="3600" dirty="0">
-              <a:latin typeface="Calibri" panose="020F0502020204030204" pitchFamily="34" charset="0"/>
-              <a:ea typeface="Calibri" panose="020F0502020204030204" pitchFamily="34" charset="0"/>
-              <a:cs typeface="Times New Roman" panose="02020603050405020304" pitchFamily="18" charset="0"/>
-            </a:endParaRPr>
-          </a:p>
-          <a:p>
-            <a:pPr marL="342900" marR="0" lvl="0" indent="-342900">
-              <a:lnSpc>
-                <a:spcPct val="107000"/>
-              </a:lnSpc>
-              <a:spcBef>
-                <a:spcPts val="0"/>
-              </a:spcBef>
-              <a:spcAft>
-                <a:spcPts val="0"/>
-              </a:spcAft>
-              <a:buFont typeface="Symbol" panose="05050102010706020507" pitchFamily="18" charset="2"/>
-              <a:buChar char=""/>
-            </a:pPr>
-            <a:r>
-              <a:rPr lang="en-US" sz="2800" dirty="0">
-                <a:latin typeface="Calibri" panose="020F0502020204030204" pitchFamily="34" charset="0"/>
-                <a:ea typeface="Calibri" panose="020F0502020204030204" pitchFamily="34" charset="0"/>
-                <a:cs typeface="Calibri" panose="020F0502020204030204" pitchFamily="34" charset="0"/>
-              </a:rPr>
-              <a:t>Yelp data is from 8 months ago</a:t>
-            </a:r>
-            <a:endParaRPr lang="en-US" sz="2800" dirty="0">
-              <a:latin typeface="Calibri" panose="020F0502020204030204" pitchFamily="34" charset="0"/>
-              <a:ea typeface="Calibri" panose="020F0502020204030204" pitchFamily="34" charset="0"/>
-              <a:cs typeface="Times New Roman" panose="02020603050405020304" pitchFamily="18" charset="0"/>
-            </a:endParaRPr>
-          </a:p>
-          <a:p>
-            <a:pPr marL="342900" marR="0" lvl="0" indent="-342900">
-              <a:lnSpc>
-                <a:spcPct val="107000"/>
-              </a:lnSpc>
-              <a:spcBef>
-                <a:spcPts val="0"/>
-              </a:spcBef>
-              <a:spcAft>
-                <a:spcPts val="0"/>
-              </a:spcAft>
-              <a:buFont typeface="Symbol" panose="05050102010706020507" pitchFamily="18" charset="2"/>
-              <a:buChar char=""/>
-            </a:pPr>
-            <a:r>
-              <a:rPr lang="en-US" sz="2800" dirty="0">
-                <a:latin typeface="Calibri" panose="020F0502020204030204" pitchFamily="34" charset="0"/>
-                <a:ea typeface="Calibri" panose="020F0502020204030204" pitchFamily="34" charset="0"/>
-                <a:cs typeface="Calibri" panose="020F0502020204030204" pitchFamily="34" charset="0"/>
-              </a:rPr>
-              <a:t>The data does not include all 50 states in the United States</a:t>
-            </a:r>
-            <a:endParaRPr lang="en-US" sz="2800" dirty="0">
-              <a:latin typeface="Calibri" panose="020F0502020204030204" pitchFamily="34" charset="0"/>
-              <a:ea typeface="Calibri" panose="020F0502020204030204" pitchFamily="34" charset="0"/>
-              <a:cs typeface="Times New Roman" panose="02020603050405020304" pitchFamily="18" charset="0"/>
-            </a:endParaRPr>
-          </a:p>
-          <a:p>
-            <a:pPr marL="342900" marR="0" lvl="0" indent="-342900">
-              <a:lnSpc>
-                <a:spcPct val="107000"/>
-              </a:lnSpc>
-              <a:spcBef>
-                <a:spcPts val="0"/>
-              </a:spcBef>
-              <a:spcAft>
-                <a:spcPts val="0"/>
-              </a:spcAft>
-              <a:buFont typeface="Symbol" panose="05050102010706020507" pitchFamily="18" charset="2"/>
-              <a:buChar char=""/>
-            </a:pPr>
-            <a:r>
-              <a:rPr lang="en-US" sz="2800" dirty="0">
-                <a:latin typeface="Calibri" panose="020F0502020204030204" pitchFamily="34" charset="0"/>
-                <a:ea typeface="Calibri" panose="020F0502020204030204" pitchFamily="34" charset="0"/>
-                <a:cs typeface="Calibri" panose="020F0502020204030204" pitchFamily="34" charset="0"/>
-              </a:rPr>
-              <a:t>There is a total of 29 United States and 7 Canadian States and Manchester U.K.</a:t>
-            </a:r>
-            <a:endParaRPr lang="en-US" sz="2800" dirty="0">
-              <a:latin typeface="Calibri" panose="020F0502020204030204" pitchFamily="34" charset="0"/>
-              <a:ea typeface="Calibri" panose="020F0502020204030204" pitchFamily="34" charset="0"/>
-              <a:cs typeface="Times New Roman" panose="02020603050405020304" pitchFamily="18" charset="0"/>
-            </a:endParaRPr>
-          </a:p>
-          <a:p>
-            <a:pPr marL="342900" marR="0" lvl="0" indent="-342900">
-              <a:lnSpc>
-                <a:spcPct val="107000"/>
-              </a:lnSpc>
-              <a:spcBef>
-                <a:spcPts val="0"/>
-              </a:spcBef>
-              <a:spcAft>
-                <a:spcPts val="0"/>
-              </a:spcAft>
-              <a:buFont typeface="Symbol" panose="05050102010706020507" pitchFamily="18" charset="2"/>
-              <a:buChar char=""/>
-            </a:pPr>
-            <a:r>
-              <a:rPr lang="en-US" sz="2800" dirty="0">
-                <a:latin typeface="Calibri" panose="020F0502020204030204" pitchFamily="34" charset="0"/>
-                <a:ea typeface="Calibri" panose="020F0502020204030204" pitchFamily="34" charset="0"/>
-                <a:cs typeface="Calibri" panose="020F0502020204030204" pitchFamily="34" charset="0"/>
-              </a:rPr>
-              <a:t>Concluded that the data is bias since we are missing 42% of the states in the United States and missing 30% for Canada</a:t>
-            </a:r>
-            <a:endParaRPr lang="en-US" sz="2800" dirty="0">
-              <a:latin typeface="Calibri" panose="020F0502020204030204" pitchFamily="34" charset="0"/>
-              <a:ea typeface="Calibri" panose="020F0502020204030204" pitchFamily="34" charset="0"/>
-              <a:cs typeface="Times New Roman" panose="02020603050405020304" pitchFamily="18" charset="0"/>
-            </a:endParaRPr>
-          </a:p>
-          <a:p>
-            <a:pPr marL="342900" marR="0" lvl="0" indent="-342900">
-              <a:lnSpc>
-                <a:spcPct val="107000"/>
-              </a:lnSpc>
-              <a:spcBef>
-                <a:spcPts val="0"/>
-              </a:spcBef>
-              <a:spcAft>
-                <a:spcPts val="800"/>
-              </a:spcAft>
-              <a:buFont typeface="Symbol" panose="05050102010706020507" pitchFamily="18" charset="2"/>
-              <a:buChar char=""/>
-            </a:pPr>
-            <a:r>
-              <a:rPr lang="en-US" sz="2800" dirty="0">
-                <a:latin typeface="Calibri" panose="020F0502020204030204" pitchFamily="34" charset="0"/>
-                <a:ea typeface="Calibri" panose="020F0502020204030204" pitchFamily="34" charset="0"/>
-                <a:cs typeface="Calibri" panose="020F0502020204030204" pitchFamily="34" charset="0"/>
-              </a:rPr>
-              <a:t>We suspect that Canada states abbreviations are inaccurate </a:t>
-            </a:r>
-            <a:endParaRPr lang="en-US" sz="2800" dirty="0">
-              <a:latin typeface="Calibri" panose="020F0502020204030204" pitchFamily="34" charset="0"/>
-              <a:ea typeface="Calibri" panose="020F0502020204030204" pitchFamily="34" charset="0"/>
-              <a:cs typeface="Times New Roman" panose="02020603050405020304" pitchFamily="18" charset="0"/>
-            </a:endParaRPr>
-          </a:p>
-        </p:txBody>
-      </p:sp>
+            <a:r>
+              <a:rPr lang="en-US" sz="2400" b="1" dirty="0"/>
+              <a:t>The relationship was recognizable when graphed: </a:t>
+            </a:r>
+            <a:r>
+              <a:rPr lang="en-US" sz="2400" b="1" dirty="0" err="1"/>
+              <a:t>Restuarant</a:t>
+            </a:r>
+            <a:r>
+              <a:rPr lang="en-US" sz="2400" b="1" dirty="0"/>
+              <a:t> Price Range vs the Review Count.</a:t>
+            </a:r>
+          </a:p>
+        </p:txBody>
+      </p:sp>
+      <p:pic>
+        <p:nvPicPr>
+          <p:cNvPr id="9" name="Picture 8">
+            <a:extLst>
+              <a:ext uri="{FF2B5EF4-FFF2-40B4-BE49-F238E27FC236}">
+                <a16:creationId xmlns:a16="http://schemas.microsoft.com/office/drawing/2014/main" id="{5D95BCAA-47B8-45F6-AC1B-73FC200C566E}"/>
+              </a:ext>
+            </a:extLst>
+          </p:cNvPr>
+          <p:cNvPicPr>
+            <a:picLocks noChangeAspect="1"/>
+          </p:cNvPicPr>
+          <p:nvPr/>
+        </p:nvPicPr>
+        <p:blipFill>
+          <a:blip r:embed="rId4"/>
+          <a:stretch>
+            <a:fillRect/>
+          </a:stretch>
+        </p:blipFill>
+        <p:spPr>
+          <a:xfrm>
+            <a:off x="-123554" y="1850065"/>
+            <a:ext cx="6035436" cy="1779543"/>
+          </a:xfrm>
+          <a:prstGeom prst="rect">
+            <a:avLst/>
+          </a:prstGeom>
+        </p:spPr>
+      </p:pic>
+      <p:pic>
+        <p:nvPicPr>
+          <p:cNvPr id="10" name="Picture 9" descr=" P(x)=1/(sigmasqrt(2pi))e^(-(x-mu)^2/(2sigma^2)) ">
+            <a:extLst>
+              <a:ext uri="{FF2B5EF4-FFF2-40B4-BE49-F238E27FC236}">
+                <a16:creationId xmlns:a16="http://schemas.microsoft.com/office/drawing/2014/main" id="{98AE7571-EC33-4D80-9C73-A329CCBC0EEA}"/>
+              </a:ext>
+            </a:extLst>
+          </p:cNvPr>
+          <p:cNvPicPr/>
+          <p:nvPr/>
+        </p:nvPicPr>
+        <p:blipFill>
+          <a:blip r:embed="rId5">
+            <a:extLst>
+              <a:ext uri="{28A0092B-C50C-407E-A947-70E740481C1C}">
+                <a14:useLocalDpi xmlns:a14="http://schemas.microsoft.com/office/drawing/2010/main" val="0"/>
+              </a:ext>
+            </a:extLst>
+          </a:blip>
+          <a:srcRect/>
+          <a:stretch>
+            <a:fillRect/>
+          </a:stretch>
+        </p:blipFill>
+        <p:spPr bwMode="auto">
+          <a:xfrm>
+            <a:off x="494056" y="4245429"/>
+            <a:ext cx="2099854" cy="579843"/>
+          </a:xfrm>
+          <a:prstGeom prst="rect">
+            <a:avLst/>
+          </a:prstGeom>
+          <a:noFill/>
+          <a:ln>
+            <a:noFill/>
+          </a:ln>
+        </p:spPr>
+      </p:pic>
     </p:spTree>
     <p:extLst>
       <p:ext uri="{BB962C8B-B14F-4D97-AF65-F5344CB8AC3E}">
-        <p14:creationId xmlns:p14="http://schemas.microsoft.com/office/powerpoint/2010/main" val="873908550"/>
+        <p14:creationId xmlns:p14="http://schemas.microsoft.com/office/powerpoint/2010/main" val="2337975396"/>
       </p:ext>
     </p:extLst>
   </p:cSld>
@@ -4694,6 +4534,286 @@
             <a:fld id="{B32EF1AE-3DD9-45C5-9866-1DA31953BE17}" type="slidenum">
               <a:rPr lang="en-US" smtClean="0"/>
               <a:t>13</a:t>
+            </a:fld>
+            <a:endParaRPr lang="en-US" dirty="0"/>
+          </a:p>
+        </p:txBody>
+      </p:sp>
+      <p:sp>
+        <p:nvSpPr>
+          <p:cNvPr id="2" name="Rectangle 1">
+            <a:extLst>
+              <a:ext uri="{FF2B5EF4-FFF2-40B4-BE49-F238E27FC236}">
+                <a16:creationId xmlns:a16="http://schemas.microsoft.com/office/drawing/2014/main" id="{C42C7C13-D42F-49F1-823D-0DE634C8D443}"/>
+              </a:ext>
+            </a:extLst>
+          </p:cNvPr>
+          <p:cNvSpPr/>
+          <p:nvPr/>
+        </p:nvSpPr>
+        <p:spPr>
+          <a:xfrm>
+            <a:off x="214605" y="251928"/>
+            <a:ext cx="10644673" cy="3994427"/>
+          </a:xfrm>
+          <a:prstGeom prst="rect">
+            <a:avLst/>
+          </a:prstGeom>
+        </p:spPr>
+        <p:txBody>
+          <a:bodyPr wrap="square">
+            <a:spAutoFit/>
+          </a:bodyPr>
+          <a:lstStyle/>
+          <a:p>
+            <a:pPr>
+              <a:lnSpc>
+                <a:spcPct val="107000"/>
+              </a:lnSpc>
+              <a:spcAft>
+                <a:spcPts val="800"/>
+              </a:spcAft>
+            </a:pPr>
+            <a:r>
+              <a:rPr lang="en-US" sz="3600" b="1" dirty="0">
+                <a:latin typeface="Calibri" panose="020F0502020204030204" pitchFamily="34" charset="0"/>
+                <a:ea typeface="Calibri" panose="020F0502020204030204" pitchFamily="34" charset="0"/>
+                <a:cs typeface="Calibri" panose="020F0502020204030204" pitchFamily="34" charset="0"/>
+              </a:rPr>
+              <a:t>Data limitations: </a:t>
+            </a:r>
+            <a:endParaRPr lang="en-US" sz="3600" dirty="0">
+              <a:latin typeface="Calibri" panose="020F0502020204030204" pitchFamily="34" charset="0"/>
+              <a:ea typeface="Calibri" panose="020F0502020204030204" pitchFamily="34" charset="0"/>
+              <a:cs typeface="Times New Roman" panose="02020603050405020304" pitchFamily="18" charset="0"/>
+            </a:endParaRPr>
+          </a:p>
+          <a:p>
+            <a:pPr marL="342900" marR="0" lvl="0" indent="-342900">
+              <a:lnSpc>
+                <a:spcPct val="107000"/>
+              </a:lnSpc>
+              <a:spcBef>
+                <a:spcPts val="0"/>
+              </a:spcBef>
+              <a:spcAft>
+                <a:spcPts val="0"/>
+              </a:spcAft>
+              <a:buFont typeface="Symbol" panose="05050102010706020507" pitchFamily="18" charset="2"/>
+              <a:buChar char=""/>
+            </a:pPr>
+            <a:r>
+              <a:rPr lang="en-US" sz="2800" dirty="0">
+                <a:latin typeface="Calibri" panose="020F0502020204030204" pitchFamily="34" charset="0"/>
+                <a:ea typeface="Calibri" panose="020F0502020204030204" pitchFamily="34" charset="0"/>
+                <a:cs typeface="Calibri" panose="020F0502020204030204" pitchFamily="34" charset="0"/>
+              </a:rPr>
+              <a:t>Yelp data is from 8 months ago</a:t>
+            </a:r>
+            <a:endParaRPr lang="en-US" sz="2800" dirty="0">
+              <a:latin typeface="Calibri" panose="020F0502020204030204" pitchFamily="34" charset="0"/>
+              <a:ea typeface="Calibri" panose="020F0502020204030204" pitchFamily="34" charset="0"/>
+              <a:cs typeface="Times New Roman" panose="02020603050405020304" pitchFamily="18" charset="0"/>
+            </a:endParaRPr>
+          </a:p>
+          <a:p>
+            <a:pPr marL="342900" marR="0" lvl="0" indent="-342900">
+              <a:lnSpc>
+                <a:spcPct val="107000"/>
+              </a:lnSpc>
+              <a:spcBef>
+                <a:spcPts val="0"/>
+              </a:spcBef>
+              <a:spcAft>
+                <a:spcPts val="0"/>
+              </a:spcAft>
+              <a:buFont typeface="Symbol" panose="05050102010706020507" pitchFamily="18" charset="2"/>
+              <a:buChar char=""/>
+            </a:pPr>
+            <a:r>
+              <a:rPr lang="en-US" sz="2800" dirty="0">
+                <a:latin typeface="Calibri" panose="020F0502020204030204" pitchFamily="34" charset="0"/>
+                <a:ea typeface="Calibri" panose="020F0502020204030204" pitchFamily="34" charset="0"/>
+                <a:cs typeface="Calibri" panose="020F0502020204030204" pitchFamily="34" charset="0"/>
+              </a:rPr>
+              <a:t>The data does not include all 50 states in the United States</a:t>
+            </a:r>
+            <a:endParaRPr lang="en-US" sz="2800" dirty="0">
+              <a:latin typeface="Calibri" panose="020F0502020204030204" pitchFamily="34" charset="0"/>
+              <a:ea typeface="Calibri" panose="020F0502020204030204" pitchFamily="34" charset="0"/>
+              <a:cs typeface="Times New Roman" panose="02020603050405020304" pitchFamily="18" charset="0"/>
+            </a:endParaRPr>
+          </a:p>
+          <a:p>
+            <a:pPr marL="342900" marR="0" lvl="0" indent="-342900">
+              <a:lnSpc>
+                <a:spcPct val="107000"/>
+              </a:lnSpc>
+              <a:spcBef>
+                <a:spcPts val="0"/>
+              </a:spcBef>
+              <a:spcAft>
+                <a:spcPts val="0"/>
+              </a:spcAft>
+              <a:buFont typeface="Symbol" panose="05050102010706020507" pitchFamily="18" charset="2"/>
+              <a:buChar char=""/>
+            </a:pPr>
+            <a:r>
+              <a:rPr lang="en-US" sz="2800" dirty="0">
+                <a:latin typeface="Calibri" panose="020F0502020204030204" pitchFamily="34" charset="0"/>
+                <a:ea typeface="Calibri" panose="020F0502020204030204" pitchFamily="34" charset="0"/>
+                <a:cs typeface="Calibri" panose="020F0502020204030204" pitchFamily="34" charset="0"/>
+              </a:rPr>
+              <a:t>There is a total of 29 United States and 7 Canadian States and Manchester U.K.</a:t>
+            </a:r>
+            <a:endParaRPr lang="en-US" sz="2800" dirty="0">
+              <a:latin typeface="Calibri" panose="020F0502020204030204" pitchFamily="34" charset="0"/>
+              <a:ea typeface="Calibri" panose="020F0502020204030204" pitchFamily="34" charset="0"/>
+              <a:cs typeface="Times New Roman" panose="02020603050405020304" pitchFamily="18" charset="0"/>
+            </a:endParaRPr>
+          </a:p>
+          <a:p>
+            <a:pPr marL="342900" marR="0" lvl="0" indent="-342900">
+              <a:lnSpc>
+                <a:spcPct val="107000"/>
+              </a:lnSpc>
+              <a:spcBef>
+                <a:spcPts val="0"/>
+              </a:spcBef>
+              <a:spcAft>
+                <a:spcPts val="0"/>
+              </a:spcAft>
+              <a:buFont typeface="Symbol" panose="05050102010706020507" pitchFamily="18" charset="2"/>
+              <a:buChar char=""/>
+            </a:pPr>
+            <a:r>
+              <a:rPr lang="en-US" sz="2800" dirty="0">
+                <a:latin typeface="Calibri" panose="020F0502020204030204" pitchFamily="34" charset="0"/>
+                <a:ea typeface="Calibri" panose="020F0502020204030204" pitchFamily="34" charset="0"/>
+                <a:cs typeface="Calibri" panose="020F0502020204030204" pitchFamily="34" charset="0"/>
+              </a:rPr>
+              <a:t>Concluded that the data is bias since we are missing 42% of the states in the United States and missing 30% for Canada</a:t>
+            </a:r>
+            <a:endParaRPr lang="en-US" sz="2800" dirty="0">
+              <a:latin typeface="Calibri" panose="020F0502020204030204" pitchFamily="34" charset="0"/>
+              <a:ea typeface="Calibri" panose="020F0502020204030204" pitchFamily="34" charset="0"/>
+              <a:cs typeface="Times New Roman" panose="02020603050405020304" pitchFamily="18" charset="0"/>
+            </a:endParaRPr>
+          </a:p>
+          <a:p>
+            <a:pPr marL="342900" marR="0" lvl="0" indent="-342900">
+              <a:lnSpc>
+                <a:spcPct val="107000"/>
+              </a:lnSpc>
+              <a:spcBef>
+                <a:spcPts val="0"/>
+              </a:spcBef>
+              <a:spcAft>
+                <a:spcPts val="800"/>
+              </a:spcAft>
+              <a:buFont typeface="Symbol" panose="05050102010706020507" pitchFamily="18" charset="2"/>
+              <a:buChar char=""/>
+            </a:pPr>
+            <a:r>
+              <a:rPr lang="en-US" sz="2800" dirty="0">
+                <a:latin typeface="Calibri" panose="020F0502020204030204" pitchFamily="34" charset="0"/>
+                <a:ea typeface="Calibri" panose="020F0502020204030204" pitchFamily="34" charset="0"/>
+                <a:cs typeface="Calibri" panose="020F0502020204030204" pitchFamily="34" charset="0"/>
+              </a:rPr>
+              <a:t>We suspect that Canada states abbreviations are inaccurate </a:t>
+            </a:r>
+            <a:endParaRPr lang="en-US" sz="2800" dirty="0">
+              <a:latin typeface="Calibri" panose="020F0502020204030204" pitchFamily="34" charset="0"/>
+              <a:ea typeface="Calibri" panose="020F0502020204030204" pitchFamily="34" charset="0"/>
+              <a:cs typeface="Times New Roman" panose="02020603050405020304" pitchFamily="18" charset="0"/>
+            </a:endParaRPr>
+          </a:p>
+        </p:txBody>
+      </p:sp>
+    </p:spTree>
+    <p:extLst>
+      <p:ext uri="{BB962C8B-B14F-4D97-AF65-F5344CB8AC3E}">
+        <p14:creationId xmlns:p14="http://schemas.microsoft.com/office/powerpoint/2010/main" val="873908550"/>
+      </p:ext>
+    </p:extLst>
+  </p:cSld>
+  <p:clrMapOvr>
+    <a:masterClrMapping/>
+  </p:clrMapOvr>
+</p:sld>
+</file>
+
+<file path=ppt/slides/slide14.xml><?xml version="1.0" encoding="utf-8"?>
+<p:sld xmlns:a="http://schemas.openxmlformats.org/drawingml/2006/main" xmlns:r="http://schemas.openxmlformats.org/officeDocument/2006/relationships" xmlns:p="http://schemas.openxmlformats.org/presentationml/2006/main">
+  <p:cSld>
+    <p:spTree>
+      <p:nvGrpSpPr>
+        <p:cNvPr id="1" name=""/>
+        <p:cNvGrpSpPr/>
+        <p:nvPr/>
+      </p:nvGrpSpPr>
+      <p:grpSpPr>
+        <a:xfrm>
+          <a:off x="0" y="0"/>
+          <a:ext cx="0" cy="0"/>
+          <a:chOff x="0" y="0"/>
+          <a:chExt cx="0" cy="0"/>
+        </a:xfrm>
+      </p:grpSpPr>
+      <p:pic>
+        <p:nvPicPr>
+          <p:cNvPr id="4" name="Picture 3">
+            <a:extLst>
+              <a:ext uri="{FF2B5EF4-FFF2-40B4-BE49-F238E27FC236}">
+                <a16:creationId xmlns:a16="http://schemas.microsoft.com/office/drawing/2014/main" id="{DDED1102-89EB-4DED-8332-FE57067FABEC}"/>
+              </a:ext>
+            </a:extLst>
+          </p:cNvPr>
+          <p:cNvPicPr>
+            <a:picLocks noChangeAspect="1"/>
+          </p:cNvPicPr>
+          <p:nvPr/>
+        </p:nvPicPr>
+        <p:blipFill>
+          <a:blip r:embed="rId2"/>
+          <a:stretch>
+            <a:fillRect/>
+          </a:stretch>
+        </p:blipFill>
+        <p:spPr>
+          <a:xfrm>
+            <a:off x="90682" y="5539370"/>
+            <a:ext cx="3762375" cy="1209675"/>
+          </a:xfrm>
+          <a:prstGeom prst="rect">
+            <a:avLst/>
+          </a:prstGeom>
+        </p:spPr>
+      </p:pic>
+      <p:sp>
+        <p:nvSpPr>
+          <p:cNvPr id="6" name="Slide Number Placeholder 5">
+            <a:extLst>
+              <a:ext uri="{FF2B5EF4-FFF2-40B4-BE49-F238E27FC236}">
+                <a16:creationId xmlns:a16="http://schemas.microsoft.com/office/drawing/2014/main" id="{8E55BE54-BEB4-4D11-A587-7A28014ED98E}"/>
+              </a:ext>
+            </a:extLst>
+          </p:cNvPr>
+          <p:cNvSpPr>
+            <a:spLocks noGrp="1"/>
+          </p:cNvSpPr>
+          <p:nvPr>
+            <p:ph type="sldNum" sz="quarter" idx="12"/>
+          </p:nvPr>
+        </p:nvSpPr>
+        <p:spPr/>
+        <p:txBody>
+          <a:bodyPr/>
+          <a:lstStyle/>
+          <a:p>
+            <a:fld id="{B32EF1AE-3DD9-45C5-9866-1DA31953BE17}" type="slidenum">
+              <a:rPr lang="en-US" smtClean="0"/>
+              <a:t>14</a:t>
             </a:fld>
             <a:endParaRPr lang="en-US" dirty="0"/>
           </a:p>
@@ -5385,11 +5505,75 @@
           <a:bodyPr/>
           <a:lstStyle/>
           <a:p>
+            <a:pPr marL="0" marR="0" lvl="0" indent="0" algn="r" defTabSz="914400" rtl="0" eaLnBrk="1" fontAlgn="auto" latinLnBrk="0" hangingPunct="1">
+              <a:lnSpc>
+                <a:spcPct val="100000"/>
+              </a:lnSpc>
+              <a:spcBef>
+                <a:spcPts val="0"/>
+              </a:spcBef>
+              <a:spcAft>
+                <a:spcPts val="0"/>
+              </a:spcAft>
+              <a:buClrTx/>
+              <a:buSzTx/>
+              <a:buFontTx/>
+              <a:buNone/>
+              <a:tabLst/>
+              <a:defRPr/>
+            </a:pPr>
             <a:fld id="{B32EF1AE-3DD9-45C5-9866-1DA31953BE17}" type="slidenum">
-              <a:rPr lang="en-US" smtClean="0"/>
+              <a:rPr kumimoji="0" lang="en-US" sz="1200" b="0" i="0" u="none" strike="noStrike" kern="1200" cap="none" spc="0" normalizeH="0" baseline="0" noProof="0" smtClean="0">
+                <a:ln>
+                  <a:noFill/>
+                </a:ln>
+                <a:solidFill>
+                  <a:prstClr val="black">
+                    <a:tint val="75000"/>
+                  </a:prstClr>
+                </a:solidFill>
+                <a:effectLst/>
+                <a:uLnTx/>
+                <a:uFillTx/>
+                <a:latin typeface="Calibri" panose="020F0502020204030204"/>
+                <a:ea typeface="+mn-ea"/>
+                <a:cs typeface="+mn-cs"/>
+              </a:rPr>
+              <a:pPr marL="0" marR="0" lvl="0" indent="0" algn="r" defTabSz="914400" rtl="0" eaLnBrk="1" fontAlgn="auto" latinLnBrk="0" hangingPunct="1">
+                <a:lnSpc>
+                  <a:spcPct val="100000"/>
+                </a:lnSpc>
+                <a:spcBef>
+                  <a:spcPts val="0"/>
+                </a:spcBef>
+                <a:spcAft>
+                  <a:spcPts val="0"/>
+                </a:spcAft>
+                <a:buClrTx/>
+                <a:buSzTx/>
+                <a:buFontTx/>
+                <a:buNone/>
+                <a:tabLst/>
+                <a:defRPr/>
+              </a:pPr>
               <a:t>5</a:t>
             </a:fld>
-            <a:endParaRPr lang="en-US" dirty="0"/>
+            <a:endParaRPr kumimoji="0" lang="en-US" sz="1200" b="0" i="0" u="none" strike="noStrike" kern="1200" cap="none" spc="0" normalizeH="0" baseline="0" noProof="0" dirty="0">
+              <a:ln>
+                <a:noFill/>
+              </a:ln>
+              <a:solidFill>
+                <a:prstClr val="black">
+                  <a:tint val="75000"/>
+                </a:prstClr>
+              </a:solidFill>
+              <a:effectLst/>
+              <a:uLnTx/>
+              <a:uFillTx/>
+              <a:latin typeface="Calibri" panose="020F0502020204030204"/>
+              <a:ea typeface="+mn-ea"/>
+              <a:cs typeface="+mn-cs"/>
+            </a:endParaRPr>
           </a:p>
         </p:txBody>
       </p:sp>
@@ -5398,7 +5582,7 @@
           <p:cNvPr id="2" name="Picture 1">
             <a:extLst>
               <a:ext uri="{FF2B5EF4-FFF2-40B4-BE49-F238E27FC236}">
-                <a16:creationId xmlns:a16="http://schemas.microsoft.com/office/drawing/2014/main" id="{826E8B6D-180D-4BED-B68F-2C38FF402355}"/>
+                <a16:creationId xmlns:a16="http://schemas.microsoft.com/office/drawing/2014/main" id="{C74593E2-DE63-4ED0-AB7D-C282230E16DF}"/>
               </a:ext>
             </a:extLst>
           </p:cNvPr>
@@ -5415,18 +5599,57 @@
         </p:blipFill>
         <p:spPr>
           <a:xfrm>
-            <a:off x="693155" y="0"/>
-            <a:ext cx="10805690" cy="5402845"/>
+            <a:off x="2122462" y="871537"/>
+            <a:ext cx="7947077" cy="4684501"/>
           </a:xfrm>
           <a:prstGeom prst="rect">
             <a:avLst/>
           </a:prstGeom>
         </p:spPr>
       </p:pic>
+      <p:sp>
+        <p:nvSpPr>
+          <p:cNvPr id="5" name="TextBox 4">
+            <a:extLst>
+              <a:ext uri="{FF2B5EF4-FFF2-40B4-BE49-F238E27FC236}">
+                <a16:creationId xmlns:a16="http://schemas.microsoft.com/office/drawing/2014/main" id="{16C41A18-BABE-4AE3-95E5-97CED352778C}"/>
+              </a:ext>
+            </a:extLst>
+          </p:cNvPr>
+          <p:cNvSpPr txBox="1"/>
+          <p:nvPr/>
+        </p:nvSpPr>
+        <p:spPr>
+          <a:xfrm>
+            <a:off x="51353" y="0"/>
+            <a:ext cx="7460492" cy="923330"/>
+          </a:xfrm>
+          <a:prstGeom prst="rect">
+            <a:avLst/>
+          </a:prstGeom>
+          <a:noFill/>
+        </p:spPr>
+        <p:txBody>
+          <a:bodyPr wrap="square" rtlCol="0">
+            <a:spAutoFit/>
+          </a:bodyPr>
+          <a:lstStyle/>
+          <a:p>
+            <a:r>
+              <a:rPr lang="en-US" sz="5400" b="1" dirty="0">
+                <a:solidFill>
+                  <a:srgbClr val="003399"/>
+                </a:solidFill>
+              </a:rPr>
+              <a:t>Code Behind the Map</a:t>
+            </a:r>
+          </a:p>
+        </p:txBody>
+      </p:sp>
     </p:spTree>
     <p:extLst>
       <p:ext uri="{BB962C8B-B14F-4D97-AF65-F5344CB8AC3E}">
-        <p14:creationId xmlns:p14="http://schemas.microsoft.com/office/powerpoint/2010/main" val="3733594488"/>
+        <p14:creationId xmlns:p14="http://schemas.microsoft.com/office/powerpoint/2010/main" val="3669338868"/>
       </p:ext>
     </p:extLst>
   </p:cSld>
@@ -5517,7 +5740,7 @@
           <p:cNvPr id="2" name="Picture 1">
             <a:extLst>
               <a:ext uri="{FF2B5EF4-FFF2-40B4-BE49-F238E27FC236}">
-                <a16:creationId xmlns:a16="http://schemas.microsoft.com/office/drawing/2014/main" id="{7B4858B6-8563-42BB-8B6A-6F9360A49960}"/>
+                <a16:creationId xmlns:a16="http://schemas.microsoft.com/office/drawing/2014/main" id="{826E8B6D-180D-4BED-B68F-2C38FF402355}"/>
               </a:ext>
             </a:extLst>
           </p:cNvPr>
@@ -5534,8 +5757,8 @@
         </p:blipFill>
         <p:spPr>
           <a:xfrm>
-            <a:off x="1056968" y="0"/>
-            <a:ext cx="10078065" cy="5539370"/>
+            <a:off x="693155" y="0"/>
+            <a:ext cx="10805690" cy="5402845"/>
           </a:xfrm>
           <a:prstGeom prst="rect">
             <a:avLst/>
@@ -5545,7 +5768,7 @@
     </p:spTree>
     <p:extLst>
       <p:ext uri="{BB962C8B-B14F-4D97-AF65-F5344CB8AC3E}">
-        <p14:creationId xmlns:p14="http://schemas.microsoft.com/office/powerpoint/2010/main" val="1412622349"/>
+        <p14:creationId xmlns:p14="http://schemas.microsoft.com/office/powerpoint/2010/main" val="3733594488"/>
       </p:ext>
     </p:extLst>
   </p:cSld>
@@ -5636,7 +5859,7 @@
           <p:cNvPr id="2" name="Picture 1">
             <a:extLst>
               <a:ext uri="{FF2B5EF4-FFF2-40B4-BE49-F238E27FC236}">
-                <a16:creationId xmlns:a16="http://schemas.microsoft.com/office/drawing/2014/main" id="{921232F8-13E3-4DDF-B9B2-A974ADC6A276}"/>
+                <a16:creationId xmlns:a16="http://schemas.microsoft.com/office/drawing/2014/main" id="{7B4858B6-8563-42BB-8B6A-6F9360A49960}"/>
               </a:ext>
             </a:extLst>
           </p:cNvPr>
@@ -5653,8 +5876,8 @@
         </p:blipFill>
         <p:spPr>
           <a:xfrm>
-            <a:off x="805544" y="-1"/>
-            <a:ext cx="10580913" cy="5290457"/>
+            <a:off x="1056968" y="0"/>
+            <a:ext cx="10078065" cy="5539370"/>
           </a:xfrm>
           <a:prstGeom prst="rect">
             <a:avLst/>
@@ -5664,7 +5887,7 @@
     </p:spTree>
     <p:extLst>
       <p:ext uri="{BB962C8B-B14F-4D97-AF65-F5344CB8AC3E}">
-        <p14:creationId xmlns:p14="http://schemas.microsoft.com/office/powerpoint/2010/main" val="3000822577"/>
+        <p14:creationId xmlns:p14="http://schemas.microsoft.com/office/powerpoint/2010/main" val="1412622349"/>
       </p:ext>
     </p:extLst>
   </p:cSld>
@@ -5752,10 +5975,10 @@
       </p:sp>
       <p:pic>
         <p:nvPicPr>
-          <p:cNvPr id="7" name="Picture 6">
-            <a:extLst>
-              <a:ext uri="{FF2B5EF4-FFF2-40B4-BE49-F238E27FC236}">
-                <a16:creationId xmlns:a16="http://schemas.microsoft.com/office/drawing/2014/main" id="{F0F368F4-CDD7-4ABB-828F-F39E3AE0B69B}"/>
+          <p:cNvPr id="2" name="Picture 1">
+            <a:extLst>
+              <a:ext uri="{FF2B5EF4-FFF2-40B4-BE49-F238E27FC236}">
+                <a16:creationId xmlns:a16="http://schemas.microsoft.com/office/drawing/2014/main" id="{921232F8-13E3-4DDF-B9B2-A974ADC6A276}"/>
               </a:ext>
             </a:extLst>
           </p:cNvPr>
@@ -5772,8 +5995,8 @@
         </p:blipFill>
         <p:spPr>
           <a:xfrm>
-            <a:off x="936523" y="1"/>
-            <a:ext cx="10318954" cy="5539369"/>
+            <a:off x="805544" y="-1"/>
+            <a:ext cx="10580913" cy="5290457"/>
           </a:xfrm>
           <a:prstGeom prst="rect">
             <a:avLst/>
@@ -5783,7 +6006,7 @@
     </p:spTree>
     <p:extLst>
       <p:ext uri="{BB962C8B-B14F-4D97-AF65-F5344CB8AC3E}">
-        <p14:creationId xmlns:p14="http://schemas.microsoft.com/office/powerpoint/2010/main" val="217843732"/>
+        <p14:creationId xmlns:p14="http://schemas.microsoft.com/office/powerpoint/2010/main" val="3000822577"/>
       </p:ext>
     </p:extLst>
   </p:cSld>
@@ -5871,10 +6094,10 @@
       </p:sp>
       <p:pic>
         <p:nvPicPr>
-          <p:cNvPr id="2" name="Picture 1">
-            <a:extLst>
-              <a:ext uri="{FF2B5EF4-FFF2-40B4-BE49-F238E27FC236}">
-                <a16:creationId xmlns:a16="http://schemas.microsoft.com/office/drawing/2014/main" id="{90596E30-6F1C-446E-8D9D-647A60D5D56D}"/>
+          <p:cNvPr id="7" name="Picture 6">
+            <a:extLst>
+              <a:ext uri="{FF2B5EF4-FFF2-40B4-BE49-F238E27FC236}">
+                <a16:creationId xmlns:a16="http://schemas.microsoft.com/office/drawing/2014/main" id="{F0F368F4-CDD7-4ABB-828F-F39E3AE0B69B}"/>
               </a:ext>
             </a:extLst>
           </p:cNvPr>
@@ -5891,8 +6114,8 @@
         </p:blipFill>
         <p:spPr>
           <a:xfrm>
-            <a:off x="617886" y="0"/>
-            <a:ext cx="10956229" cy="5478115"/>
+            <a:off x="936523" y="1"/>
+            <a:ext cx="10318954" cy="5539369"/>
           </a:xfrm>
           <a:prstGeom prst="rect">
             <a:avLst/>
@@ -5902,7 +6125,7 @@
     </p:spTree>
     <p:extLst>
       <p:ext uri="{BB962C8B-B14F-4D97-AF65-F5344CB8AC3E}">
-        <p14:creationId xmlns:p14="http://schemas.microsoft.com/office/powerpoint/2010/main" val="1504295099"/>
+        <p14:creationId xmlns:p14="http://schemas.microsoft.com/office/powerpoint/2010/main" val="217843732"/>
       </p:ext>
     </p:extLst>
   </p:cSld>

--- a/output_data/SMU_project1.pptx
+++ b/output_data/SMU_project1.pptx
@@ -221,7 +221,7 @@
           <a:p>
             <a:fld id="{4C362FEA-2CD5-4366-8E88-61963B74B8DD}" type="datetimeFigureOut">
               <a:rPr lang="en-US" smtClean="0"/>
-              <a:t>10/7/2019</a:t>
+              <a:t>10/9/2019</a:t>
             </a:fld>
             <a:endParaRPr lang="en-US"/>
           </a:p>
@@ -635,7 +635,7 @@
           <a:p>
             <a:fld id="{49431EFB-B7C5-4B04-BA64-A70591C240A9}" type="datetimeFigureOut">
               <a:rPr lang="en-US" smtClean="0"/>
-              <a:t>10/7/2019</a:t>
+              <a:t>10/9/2019</a:t>
             </a:fld>
             <a:endParaRPr lang="en-US"/>
           </a:p>
@@ -833,7 +833,7 @@
           <a:p>
             <a:fld id="{49431EFB-B7C5-4B04-BA64-A70591C240A9}" type="datetimeFigureOut">
               <a:rPr lang="en-US" smtClean="0"/>
-              <a:t>10/7/2019</a:t>
+              <a:t>10/9/2019</a:t>
             </a:fld>
             <a:endParaRPr lang="en-US"/>
           </a:p>
@@ -1041,7 +1041,7 @@
           <a:p>
             <a:fld id="{49431EFB-B7C5-4B04-BA64-A70591C240A9}" type="datetimeFigureOut">
               <a:rPr lang="en-US" smtClean="0"/>
-              <a:t>10/7/2019</a:t>
+              <a:t>10/9/2019</a:t>
             </a:fld>
             <a:endParaRPr lang="en-US"/>
           </a:p>
@@ -1239,7 +1239,7 @@
           <a:p>
             <a:fld id="{49431EFB-B7C5-4B04-BA64-A70591C240A9}" type="datetimeFigureOut">
               <a:rPr lang="en-US" smtClean="0"/>
-              <a:t>10/7/2019</a:t>
+              <a:t>10/9/2019</a:t>
             </a:fld>
             <a:endParaRPr lang="en-US"/>
           </a:p>
@@ -1514,7 +1514,7 @@
           <a:p>
             <a:fld id="{49431EFB-B7C5-4B04-BA64-A70591C240A9}" type="datetimeFigureOut">
               <a:rPr lang="en-US" smtClean="0"/>
-              <a:t>10/7/2019</a:t>
+              <a:t>10/9/2019</a:t>
             </a:fld>
             <a:endParaRPr lang="en-US"/>
           </a:p>
@@ -1779,7 +1779,7 @@
           <a:p>
             <a:fld id="{49431EFB-B7C5-4B04-BA64-A70591C240A9}" type="datetimeFigureOut">
               <a:rPr lang="en-US" smtClean="0"/>
-              <a:t>10/7/2019</a:t>
+              <a:t>10/9/2019</a:t>
             </a:fld>
             <a:endParaRPr lang="en-US"/>
           </a:p>
@@ -2191,7 +2191,7 @@
           <a:p>
             <a:fld id="{49431EFB-B7C5-4B04-BA64-A70591C240A9}" type="datetimeFigureOut">
               <a:rPr lang="en-US" smtClean="0"/>
-              <a:t>10/7/2019</a:t>
+              <a:t>10/9/2019</a:t>
             </a:fld>
             <a:endParaRPr lang="en-US"/>
           </a:p>
@@ -2332,7 +2332,7 @@
           <a:p>
             <a:fld id="{49431EFB-B7C5-4B04-BA64-A70591C240A9}" type="datetimeFigureOut">
               <a:rPr lang="en-US" smtClean="0"/>
-              <a:t>10/7/2019</a:t>
+              <a:t>10/9/2019</a:t>
             </a:fld>
             <a:endParaRPr lang="en-US"/>
           </a:p>
@@ -2445,7 +2445,7 @@
           <a:p>
             <a:fld id="{49431EFB-B7C5-4B04-BA64-A70591C240A9}" type="datetimeFigureOut">
               <a:rPr lang="en-US" smtClean="0"/>
-              <a:t>10/7/2019</a:t>
+              <a:t>10/9/2019</a:t>
             </a:fld>
             <a:endParaRPr lang="en-US"/>
           </a:p>
@@ -2756,7 +2756,7 @@
           <a:p>
             <a:fld id="{49431EFB-B7C5-4B04-BA64-A70591C240A9}" type="datetimeFigureOut">
               <a:rPr lang="en-US" smtClean="0"/>
-              <a:t>10/7/2019</a:t>
+              <a:t>10/9/2019</a:t>
             </a:fld>
             <a:endParaRPr lang="en-US"/>
           </a:p>
@@ -3044,7 +3044,7 @@
           <a:p>
             <a:fld id="{49431EFB-B7C5-4B04-BA64-A70591C240A9}" type="datetimeFigureOut">
               <a:rPr lang="en-US" smtClean="0"/>
-              <a:t>10/7/2019</a:t>
+              <a:t>10/9/2019</a:t>
             </a:fld>
             <a:endParaRPr lang="en-US"/>
           </a:p>
@@ -3285,7 +3285,7 @@
           <a:p>
             <a:fld id="{49431EFB-B7C5-4B04-BA64-A70591C240A9}" type="datetimeFigureOut">
               <a:rPr lang="en-US" smtClean="0"/>
-              <a:t>10/7/2019</a:t>
+              <a:t>10/9/2019</a:t>
             </a:fld>
             <a:endParaRPr lang="en-US"/>
           </a:p>
@@ -4368,15 +4368,7 @@
           <a:p>
             <a:r>
               <a:rPr lang="en-US" sz="2400" b="1" dirty="0"/>
-              <a:t>The relationship was recognizable when graphed: </a:t>
-            </a:r>
-            <a:r>
-              <a:rPr lang="en-US" sz="2400" b="1" dirty="0" err="1"/>
-              <a:t>Restuarant</a:t>
-            </a:r>
-            <a:r>
-              <a:rPr lang="en-US" sz="2400" b="1" dirty="0"/>
-              <a:t> Price Range vs the Review Count.</a:t>
+              <a:t>The relationship was recognizable when graphed: Restaurant Price Range vs the Review Count.</a:t>
             </a:r>
           </a:p>
         </p:txBody>

--- a/output_data/SMU_project1.pptx
+++ b/output_data/SMU_project1.pptx
@@ -4108,7 +4108,7 @@
         <p:spPr>
           <a:xfrm>
             <a:off x="6228735" y="692352"/>
-            <a:ext cx="5304504" cy="1938992"/>
+            <a:ext cx="5304504" cy="1323439"/>
           </a:xfrm>
           <a:prstGeom prst="rect">
             <a:avLst/>
@@ -4124,12 +4124,6 @@
             <a:r>
               <a:rPr lang="en-US" sz="2000" b="1" dirty="0"/>
               <a:t>P value is 0.</a:t>
-            </a:r>
-          </a:p>
-          <a:p>
-            <a:r>
-              <a:rPr lang="en-US" sz="2000" b="1" dirty="0"/>
-              <a:t>Therefore, we would normally reject the null hypothesis. </a:t>
             </a:r>
           </a:p>
           <a:p>
